--- a/중국문화포트폴리오 데이터분석 일지(11.20).pptx
+++ b/중국문화포트폴리오 데이터분석 일지(11.20).pptx
@@ -8,6 +8,7 @@
     <p:sldId id="256" r:id="rId2"/>
     <p:sldId id="257" r:id="rId3"/>
     <p:sldId id="258" r:id="rId4"/>
+    <p:sldId id="260" r:id="rId5"/>
   </p:sldIdLst>
   <p:sldSz cx="12192000" cy="6858000"/>
   <p:notesSz cx="6858000" cy="9144000"/>
@@ -106,6 +107,11 @@
       </a:defRPr>
     </a:lvl9pPr>
   </p:defaultTextStyle>
+  <p:extLst>
+    <p:ext uri="{EFAFB233-063F-42B5-8137-9DF3F51BA10A}">
+      <p15:sldGuideLst xmlns:p15="http://schemas.microsoft.com/office/powerpoint/2012/main"/>
+    </p:ext>
+  </p:extLst>
 </p:presentation>
 </file>
 
@@ -256,7 +262,7 @@
           <a:p>
             <a:fld id="{373418BA-71B3-4396-A39A-7266A56C8DC4}" type="datetimeFigureOut">
               <a:rPr lang="ko-KR" altLang="en-US" smtClean="0"/>
-              <a:t>2020-11-20</a:t>
+              <a:t>2020-11-23</a:t>
             </a:fld>
             <a:endParaRPr lang="ko-KR" altLang="en-US"/>
           </a:p>
@@ -454,7 +460,7 @@
           <a:p>
             <a:fld id="{373418BA-71B3-4396-A39A-7266A56C8DC4}" type="datetimeFigureOut">
               <a:rPr lang="ko-KR" altLang="en-US" smtClean="0"/>
-              <a:t>2020-11-20</a:t>
+              <a:t>2020-11-23</a:t>
             </a:fld>
             <a:endParaRPr lang="ko-KR" altLang="en-US"/>
           </a:p>
@@ -662,7 +668,7 @@
           <a:p>
             <a:fld id="{373418BA-71B3-4396-A39A-7266A56C8DC4}" type="datetimeFigureOut">
               <a:rPr lang="ko-KR" altLang="en-US" smtClean="0"/>
-              <a:t>2020-11-20</a:t>
+              <a:t>2020-11-23</a:t>
             </a:fld>
             <a:endParaRPr lang="ko-KR" altLang="en-US"/>
           </a:p>
@@ -860,7 +866,7 @@
           <a:p>
             <a:fld id="{373418BA-71B3-4396-A39A-7266A56C8DC4}" type="datetimeFigureOut">
               <a:rPr lang="ko-KR" altLang="en-US" smtClean="0"/>
-              <a:t>2020-11-20</a:t>
+              <a:t>2020-11-23</a:t>
             </a:fld>
             <a:endParaRPr lang="ko-KR" altLang="en-US"/>
           </a:p>
@@ -1135,7 +1141,7 @@
           <a:p>
             <a:fld id="{373418BA-71B3-4396-A39A-7266A56C8DC4}" type="datetimeFigureOut">
               <a:rPr lang="ko-KR" altLang="en-US" smtClean="0"/>
-              <a:t>2020-11-20</a:t>
+              <a:t>2020-11-23</a:t>
             </a:fld>
             <a:endParaRPr lang="ko-KR" altLang="en-US"/>
           </a:p>
@@ -1400,7 +1406,7 @@
           <a:p>
             <a:fld id="{373418BA-71B3-4396-A39A-7266A56C8DC4}" type="datetimeFigureOut">
               <a:rPr lang="ko-KR" altLang="en-US" smtClean="0"/>
-              <a:t>2020-11-20</a:t>
+              <a:t>2020-11-23</a:t>
             </a:fld>
             <a:endParaRPr lang="ko-KR" altLang="en-US"/>
           </a:p>
@@ -1812,7 +1818,7 @@
           <a:p>
             <a:fld id="{373418BA-71B3-4396-A39A-7266A56C8DC4}" type="datetimeFigureOut">
               <a:rPr lang="ko-KR" altLang="en-US" smtClean="0"/>
-              <a:t>2020-11-20</a:t>
+              <a:t>2020-11-23</a:t>
             </a:fld>
             <a:endParaRPr lang="ko-KR" altLang="en-US"/>
           </a:p>
@@ -1953,7 +1959,7 @@
           <a:p>
             <a:fld id="{373418BA-71B3-4396-A39A-7266A56C8DC4}" type="datetimeFigureOut">
               <a:rPr lang="ko-KR" altLang="en-US" smtClean="0"/>
-              <a:t>2020-11-20</a:t>
+              <a:t>2020-11-23</a:t>
             </a:fld>
             <a:endParaRPr lang="ko-KR" altLang="en-US"/>
           </a:p>
@@ -2066,7 +2072,7 @@
           <a:p>
             <a:fld id="{373418BA-71B3-4396-A39A-7266A56C8DC4}" type="datetimeFigureOut">
               <a:rPr lang="ko-KR" altLang="en-US" smtClean="0"/>
-              <a:t>2020-11-20</a:t>
+              <a:t>2020-11-23</a:t>
             </a:fld>
             <a:endParaRPr lang="ko-KR" altLang="en-US"/>
           </a:p>
@@ -2377,7 +2383,7 @@
           <a:p>
             <a:fld id="{373418BA-71B3-4396-A39A-7266A56C8DC4}" type="datetimeFigureOut">
               <a:rPr lang="ko-KR" altLang="en-US" smtClean="0"/>
-              <a:t>2020-11-20</a:t>
+              <a:t>2020-11-23</a:t>
             </a:fld>
             <a:endParaRPr lang="ko-KR" altLang="en-US"/>
           </a:p>
@@ -2665,7 +2671,7 @@
           <a:p>
             <a:fld id="{373418BA-71B3-4396-A39A-7266A56C8DC4}" type="datetimeFigureOut">
               <a:rPr lang="ko-KR" altLang="en-US" smtClean="0"/>
-              <a:t>2020-11-20</a:t>
+              <a:t>2020-11-23</a:t>
             </a:fld>
             <a:endParaRPr lang="ko-KR" altLang="en-US"/>
           </a:p>
@@ -2906,7 +2912,7 @@
           <a:p>
             <a:fld id="{373418BA-71B3-4396-A39A-7266A56C8DC4}" type="datetimeFigureOut">
               <a:rPr lang="ko-KR" altLang="en-US" smtClean="0"/>
-              <a:t>2020-11-20</a:t>
+              <a:t>2020-11-23</a:t>
             </a:fld>
             <a:endParaRPr lang="ko-KR" altLang="en-US"/>
           </a:p>
@@ -4149,6 +4155,256 @@
 </p:sld>
 </file>
 
+<file path=ppt/slides/slide4.xml><?xml version="1.0" encoding="utf-8"?>
+<p:sld xmlns:a="http://schemas.openxmlformats.org/drawingml/2006/main" xmlns:r="http://schemas.openxmlformats.org/officeDocument/2006/relationships" xmlns:p="http://schemas.openxmlformats.org/presentationml/2006/main">
+  <p:cSld>
+    <p:spTree>
+      <p:nvGrpSpPr>
+        <p:cNvPr id="1" name=""/>
+        <p:cNvGrpSpPr/>
+        <p:nvPr/>
+      </p:nvGrpSpPr>
+      <p:grpSpPr>
+        <a:xfrm>
+          <a:off x="0" y="0"/>
+          <a:ext cx="0" cy="0"/>
+          <a:chOff x="0" y="0"/>
+          <a:chExt cx="0" cy="0"/>
+        </a:xfrm>
+      </p:grpSpPr>
+      <p:pic>
+        <p:nvPicPr>
+          <p:cNvPr id="3" name="그림 2">
+            <a:extLst>
+              <a:ext uri="{FF2B5EF4-FFF2-40B4-BE49-F238E27FC236}">
+                <a16:creationId xmlns:a16="http://schemas.microsoft.com/office/drawing/2014/main" id="{E5B62032-1EA4-4C82-A997-A095E9B039FD}"/>
+              </a:ext>
+            </a:extLst>
+          </p:cNvPr>
+          <p:cNvPicPr>
+            <a:picLocks noChangeAspect="1"/>
+          </p:cNvPicPr>
+          <p:nvPr/>
+        </p:nvPicPr>
+        <p:blipFill>
+          <a:blip r:embed="rId2">
+            <a:extLst>
+              <a:ext uri="{28A0092B-C50C-407E-A947-70E740481C1C}">
+                <a14:useLocalDpi xmlns:a14="http://schemas.microsoft.com/office/drawing/2010/main" val="0"/>
+              </a:ext>
+            </a:extLst>
+          </a:blip>
+          <a:stretch>
+            <a:fillRect/>
+          </a:stretch>
+        </p:blipFill>
+        <p:spPr>
+          <a:xfrm>
+            <a:off x="230818" y="115933"/>
+            <a:ext cx="11700770" cy="2050217"/>
+          </a:xfrm>
+          <a:prstGeom prst="rect">
+            <a:avLst/>
+          </a:prstGeom>
+        </p:spPr>
+      </p:pic>
+      <p:pic>
+        <p:nvPicPr>
+          <p:cNvPr id="5" name="그림 4">
+            <a:extLst>
+              <a:ext uri="{FF2B5EF4-FFF2-40B4-BE49-F238E27FC236}">
+                <a16:creationId xmlns:a16="http://schemas.microsoft.com/office/drawing/2014/main" id="{531FBF11-7BFB-45AD-9676-9CBCDD1C225B}"/>
+              </a:ext>
+            </a:extLst>
+          </p:cNvPr>
+          <p:cNvPicPr>
+            <a:picLocks noChangeAspect="1"/>
+          </p:cNvPicPr>
+          <p:nvPr/>
+        </p:nvPicPr>
+        <p:blipFill>
+          <a:blip r:embed="rId3">
+            <a:extLst>
+              <a:ext uri="{28A0092B-C50C-407E-A947-70E740481C1C}">
+                <a14:useLocalDpi xmlns:a14="http://schemas.microsoft.com/office/drawing/2010/main" val="0"/>
+              </a:ext>
+            </a:extLst>
+          </a:blip>
+          <a:stretch>
+            <a:fillRect/>
+          </a:stretch>
+        </p:blipFill>
+        <p:spPr>
+          <a:xfrm>
+            <a:off x="260412" y="2166150"/>
+            <a:ext cx="11466990" cy="2183908"/>
+          </a:xfrm>
+          <a:prstGeom prst="rect">
+            <a:avLst/>
+          </a:prstGeom>
+        </p:spPr>
+      </p:pic>
+      <p:sp>
+        <p:nvSpPr>
+          <p:cNvPr id="6" name="TextBox 5">
+            <a:extLst>
+              <a:ext uri="{FF2B5EF4-FFF2-40B4-BE49-F238E27FC236}">
+                <a16:creationId xmlns:a16="http://schemas.microsoft.com/office/drawing/2014/main" id="{0BD60C1F-4F9E-4383-AF3E-1E0040341BCA}"/>
+              </a:ext>
+            </a:extLst>
+          </p:cNvPr>
+          <p:cNvSpPr txBox="1"/>
+          <p:nvPr/>
+        </p:nvSpPr>
+        <p:spPr>
+          <a:xfrm>
+            <a:off x="260412" y="4394447"/>
+            <a:ext cx="11262804" cy="2031325"/>
+          </a:xfrm>
+          <a:prstGeom prst="rect">
+            <a:avLst/>
+          </a:prstGeom>
+          <a:noFill/>
+        </p:spPr>
+        <p:txBody>
+          <a:bodyPr wrap="square" rtlCol="0">
+            <a:spAutoFit/>
+          </a:bodyPr>
+          <a:lstStyle/>
+          <a:p>
+            <a:r>
+              <a:rPr lang="ko-KR" altLang="en-US" dirty="0"/>
+              <a:t>해외 댓글 중 현재 코로나</a:t>
+            </a:r>
+            <a:r>
+              <a:rPr lang="en-US" altLang="ko-KR" dirty="0"/>
+              <a:t>-19</a:t>
+            </a:r>
+            <a:r>
+              <a:rPr lang="ko-KR" altLang="en-US" dirty="0"/>
+              <a:t>로 인해 행사 준비 및 진행이 어려웠던 만큼 어느정도 </a:t>
+            </a:r>
+            <a:r>
+              <a:rPr lang="ko-KR" altLang="en-US" dirty="0" err="1"/>
+              <a:t>이해해주어야한다는</a:t>
+            </a:r>
+            <a:r>
+              <a:rPr lang="ko-KR" altLang="en-US" dirty="0"/>
+              <a:t> 동정의 의견도 있었습니다</a:t>
+            </a:r>
+            <a:r>
+              <a:rPr lang="en-US" altLang="ko-KR" dirty="0"/>
+              <a:t>. </a:t>
+            </a:r>
+            <a:r>
+              <a:rPr lang="ko-KR" altLang="en-US" dirty="0"/>
+              <a:t>위는 </a:t>
+            </a:r>
+            <a:r>
+              <a:rPr lang="en-US" altLang="ko-KR" dirty="0"/>
+              <a:t>“pandemic”</a:t>
+            </a:r>
+            <a:r>
+              <a:rPr lang="ko-KR" altLang="en-US" dirty="0"/>
+              <a:t>을</a:t>
+            </a:r>
+            <a:r>
+              <a:rPr lang="en-US" altLang="ko-KR" dirty="0"/>
+              <a:t>, </a:t>
+            </a:r>
+            <a:r>
+              <a:rPr lang="ko-KR" altLang="en-US" dirty="0"/>
+              <a:t>아래는 </a:t>
+            </a:r>
+            <a:r>
+              <a:rPr lang="en-US" altLang="ko-KR" dirty="0"/>
+              <a:t>“corona”</a:t>
+            </a:r>
+            <a:r>
+              <a:rPr lang="ko-KR" altLang="en-US" dirty="0"/>
+              <a:t>를</a:t>
+            </a:r>
+            <a:r>
+              <a:rPr lang="en-US" altLang="ko-KR" dirty="0"/>
+              <a:t> </a:t>
+            </a:r>
+            <a:r>
+              <a:rPr lang="ko-KR" altLang="en-US" dirty="0"/>
+              <a:t>필터링한 글로</a:t>
+            </a:r>
+            <a:r>
+              <a:rPr lang="en-US" altLang="ko-KR" dirty="0"/>
+              <a:t>, </a:t>
+            </a:r>
+            <a:r>
+              <a:rPr lang="ko-KR" altLang="en-US" dirty="0"/>
+              <a:t>실제로 동정 여론도 적지 않았지만 코로나 시국을 생각해서라도 수준이 떨어진다는 의견도 존재했고</a:t>
+            </a:r>
+            <a:r>
+              <a:rPr lang="en-US" altLang="ko-KR" dirty="0"/>
+              <a:t>, </a:t>
+            </a:r>
+            <a:r>
+              <a:rPr lang="ko-KR" altLang="en-US" dirty="0"/>
+              <a:t>지금까지 전부 무관중으로 경기를 진행했으면서 결승전은 유관중으로 진행한 </a:t>
+            </a:r>
+            <a:r>
+              <a:rPr lang="ko-KR" altLang="en-US" dirty="0" err="1"/>
+              <a:t>라이엇게임즈에</a:t>
+            </a:r>
+            <a:r>
+              <a:rPr lang="ko-KR" altLang="en-US" dirty="0"/>
+              <a:t> 대한 비판과 결승전에 온 관중들이 일부 마스크를 착용하지 않고 관람하는 모습이 포착되는 것에 대한 비판도 있었습니다</a:t>
+            </a:r>
+            <a:r>
+              <a:rPr lang="en-US" altLang="ko-KR" dirty="0"/>
+              <a:t>. </a:t>
+            </a:r>
+            <a:r>
+              <a:rPr lang="ko-KR" altLang="en-US" dirty="0"/>
+              <a:t>이는 </a:t>
+            </a:r>
+            <a:r>
+              <a:rPr lang="en-US" altLang="ko-KR" dirty="0"/>
+              <a:t>“mask”,</a:t>
+            </a:r>
+            <a:r>
+              <a:rPr lang="ko-KR" altLang="en-US" dirty="0"/>
+              <a:t> 즉 마스크라는 키워드를 찾으면 드러나는데 코로나시국에서 방역 지침을 철저히 지키겠다던 </a:t>
+            </a:r>
+            <a:r>
+              <a:rPr lang="ko-KR" altLang="en-US" dirty="0" err="1"/>
+              <a:t>라이엇게임즈의</a:t>
+            </a:r>
+            <a:r>
+              <a:rPr lang="ko-KR" altLang="en-US" dirty="0"/>
+              <a:t> 말이 무색하게 하는 </a:t>
+            </a:r>
+            <a:r>
+              <a:rPr lang="ko-KR" altLang="en-US" dirty="0" err="1"/>
+              <a:t>내용이였습니다</a:t>
+            </a:r>
+            <a:r>
+              <a:rPr lang="en-US" altLang="ko-KR"/>
+              <a:t>.</a:t>
+            </a:r>
+            <a:endParaRPr lang="ko-KR" altLang="en-US" dirty="0"/>
+          </a:p>
+        </p:txBody>
+      </p:sp>
+    </p:spTree>
+    <p:extLst>
+      <p:ext uri="{BB962C8B-B14F-4D97-AF65-F5344CB8AC3E}">
+        <p14:creationId xmlns:p14="http://schemas.microsoft.com/office/powerpoint/2010/main" val="2164812708"/>
+      </p:ext>
+    </p:extLst>
+  </p:cSld>
+  <p:clrMapOvr>
+    <a:masterClrMapping/>
+  </p:clrMapOvr>
+</p:sld>
+</file>
+
 <file path=ppt/theme/theme1.xml><?xml version="1.0" encoding="utf-8"?>
 <a:theme xmlns:a="http://schemas.openxmlformats.org/drawingml/2006/main" name="Office 테마">
   <a:themeElements>
